--- a/Presentation/LittleHelper.pptx
+++ b/Presentation/LittleHelper.pptx
@@ -201,7 +201,8 @@
           <a:p>
             <a:fld id="{7DF0AA22-EC30-49F3-AB16-62E3D30EEEC8}" type="datetimeFigureOut">
               <a:rPr lang="da-DK" smtClean="0"/>
-              <a:t>27-05-2018</a:t>
+              <a:pPr/>
+              <a:t>31-05-2018</a:t>
             </a:fld>
             <a:endParaRPr lang="da-DK"/>
           </a:p>
@@ -362,6 +363,7 @@
           <a:p>
             <a:fld id="{0CCE51B0-E005-4684-BDF6-5A203FD67EE9}" type="slidenum">
               <a:rPr lang="da-DK" smtClean="0"/>
+              <a:pPr/>
               <a:t>‹nr.›</a:t>
             </a:fld>
             <a:endParaRPr lang="da-DK"/>
@@ -512,11 +514,7 @@
           </a:bodyPr>
           <a:lstStyle/>
           <a:p>
-            <a:r>
-              <a:rPr lang="da-DK" dirty="0" smtClean="0"/>
-              <a:t>Mads</a:t>
-            </a:r>
-            <a:endParaRPr lang="da-DK" dirty="0"/>
+            <a:endParaRPr lang="da-DK"/>
           </a:p>
         </p:txBody>
       </p:sp>
@@ -537,7 +535,137 @@
           <a:p>
             <a:fld id="{0CCE51B0-E005-4684-BDF6-5A203FD67EE9}" type="slidenum">
               <a:rPr lang="da-DK" smtClean="0"/>
-              <a:t>2</a:t>
+              <a:pPr/>
+              <a:t>1</a:t>
+            </a:fld>
+            <a:endParaRPr lang="da-DK"/>
+          </a:p>
+        </p:txBody>
+      </p:sp>
+    </p:spTree>
+  </p:cSld>
+  <p:clrMapOvr>
+    <a:masterClrMapping/>
+  </p:clrMapOvr>
+</p:notes>
+</file>
+
+<file path=ppt/notesSlides/notesSlide10.xml><?xml version="1.0" encoding="utf-8"?>
+<p:notes xmlns:a="http://schemas.openxmlformats.org/drawingml/2006/main" xmlns:r="http://schemas.openxmlformats.org/officeDocument/2006/relationships" xmlns:p="http://schemas.openxmlformats.org/presentationml/2006/main">
+  <p:cSld>
+    <p:spTree>
+      <p:nvGrpSpPr>
+        <p:cNvPr id="1" name=""/>
+        <p:cNvGrpSpPr/>
+        <p:nvPr/>
+      </p:nvGrpSpPr>
+      <p:grpSpPr>
+        <a:xfrm>
+          <a:off x="0" y="0"/>
+          <a:ext cx="0" cy="0"/>
+          <a:chOff x="0" y="0"/>
+          <a:chExt cx="0" cy="0"/>
+        </a:xfrm>
+      </p:grpSpPr>
+      <p:sp>
+        <p:nvSpPr>
+          <p:cNvPr id="2" name="Pladsholder til diasbillede 1"/>
+          <p:cNvSpPr>
+            <a:spLocks noGrp="1" noRot="1" noChangeAspect="1"/>
+          </p:cNvSpPr>
+          <p:nvPr>
+            <p:ph type="sldImg"/>
+          </p:nvPr>
+        </p:nvSpPr>
+        <p:spPr/>
+      </p:sp>
+      <p:sp>
+        <p:nvSpPr>
+          <p:cNvPr id="3" name="Pladsholder til noter 2"/>
+          <p:cNvSpPr>
+            <a:spLocks noGrp="1"/>
+          </p:cNvSpPr>
+          <p:nvPr>
+            <p:ph type="body" idx="1"/>
+          </p:nvPr>
+        </p:nvSpPr>
+        <p:spPr/>
+        <p:txBody>
+          <a:bodyPr>
+            <a:normAutofit/>
+          </a:bodyPr>
+          <a:lstStyle/>
+          <a:p>
+            <a:r>
+              <a:rPr lang="da-DK" dirty="0" smtClean="0"/>
+              <a:t>Lasse</a:t>
+            </a:r>
+          </a:p>
+          <a:p>
+            <a:endParaRPr lang="da-DK" dirty="0" smtClean="0"/>
+          </a:p>
+          <a:p>
+            <a:r>
+              <a:rPr lang="da-DK" dirty="0" smtClean="0"/>
+              <a:t>Hvordan finder vi den</a:t>
+            </a:r>
+            <a:r>
+              <a:rPr lang="da-DK" baseline="0" dirty="0" smtClean="0"/>
+              <a:t> spillede tone?</a:t>
+            </a:r>
+          </a:p>
+          <a:p>
+            <a:endParaRPr lang="da-DK" baseline="0" dirty="0" smtClean="0"/>
+          </a:p>
+          <a:p>
+            <a:r>
+              <a:rPr lang="da-DK" baseline="0" dirty="0" smtClean="0"/>
+              <a:t>Hvordan spiller vi den rigtige tone?</a:t>
+            </a:r>
+          </a:p>
+          <a:p>
+            <a:endParaRPr lang="da-DK" baseline="0" dirty="0" smtClean="0"/>
+          </a:p>
+          <a:p>
+            <a:r>
+              <a:rPr lang="da-DK" baseline="0" dirty="0" smtClean="0"/>
+              <a:t>Evt. hvordan virker Guitar </a:t>
+            </a:r>
+            <a:r>
+              <a:rPr lang="da-DK" baseline="0" dirty="0" err="1" smtClean="0"/>
+              <a:t>Pitch</a:t>
+            </a:r>
+            <a:r>
+              <a:rPr lang="da-DK" baseline="0" dirty="0" smtClean="0"/>
+              <a:t> </a:t>
+            </a:r>
+            <a:r>
+              <a:rPr lang="da-DK" baseline="0" dirty="0" err="1" smtClean="0"/>
+              <a:t>Shifter</a:t>
+            </a:r>
+            <a:endParaRPr lang="da-DK" dirty="0"/>
+          </a:p>
+        </p:txBody>
+      </p:sp>
+      <p:sp>
+        <p:nvSpPr>
+          <p:cNvPr id="4" name="Pladsholder til diasnummer 3"/>
+          <p:cNvSpPr>
+            <a:spLocks noGrp="1"/>
+          </p:cNvSpPr>
+          <p:nvPr>
+            <p:ph type="sldNum" sz="quarter" idx="10"/>
+          </p:nvPr>
+        </p:nvSpPr>
+        <p:spPr/>
+        <p:txBody>
+          <a:bodyPr/>
+          <a:lstStyle/>
+          <a:p>
+            <a:fld id="{0CCE51B0-E005-4684-BDF6-5A203FD67EE9}" type="slidenum">
+              <a:rPr lang="da-DK" smtClean="0"/>
+              <a:pPr/>
+              <a:t>10</a:t>
             </a:fld>
             <a:endParaRPr lang="da-DK"/>
           </a:p>
@@ -599,7 +727,7 @@
           <a:p>
             <a:r>
               <a:rPr lang="da-DK" dirty="0" smtClean="0"/>
-              <a:t>Lasse</a:t>
+              <a:t>Mads</a:t>
             </a:r>
             <a:endParaRPr lang="da-DK" dirty="0"/>
           </a:p>
@@ -622,7 +750,8 @@
           <a:p>
             <a:fld id="{0CCE51B0-E005-4684-BDF6-5A203FD67EE9}" type="slidenum">
               <a:rPr lang="da-DK" smtClean="0"/>
-              <a:t>3</a:t>
+              <a:pPr/>
+              <a:t>2</a:t>
             </a:fld>
             <a:endParaRPr lang="da-DK"/>
           </a:p>
@@ -686,6 +815,37 @@
               <a:rPr lang="da-DK" dirty="0" smtClean="0"/>
               <a:t>Lasse</a:t>
             </a:r>
+          </a:p>
+          <a:p>
+            <a:endParaRPr lang="da-DK" dirty="0" smtClean="0"/>
+          </a:p>
+          <a:p>
+            <a:r>
+              <a:rPr lang="da-DK" dirty="0" smtClean="0"/>
+              <a:t>Funktionen</a:t>
+            </a:r>
+            <a:r>
+              <a:rPr lang="da-DK" baseline="0" dirty="0" smtClean="0"/>
+              <a:t> auto tune er ukendt</a:t>
+            </a:r>
+          </a:p>
+          <a:p>
+            <a:endParaRPr lang="da-DK" baseline="0" dirty="0" smtClean="0"/>
+          </a:p>
+          <a:p>
+            <a:r>
+              <a:rPr lang="da-DK" baseline="0" dirty="0" smtClean="0"/>
+              <a:t>Bruges af mange nye kunstnere</a:t>
+            </a:r>
+          </a:p>
+          <a:p>
+            <a:endParaRPr lang="da-DK" baseline="0" dirty="0" smtClean="0"/>
+          </a:p>
+          <a:p>
+            <a:r>
+              <a:rPr lang="da-DK" baseline="0" dirty="0" smtClean="0"/>
+              <a:t>At flytte en hel tone lyder udfordrende</a:t>
+            </a:r>
             <a:endParaRPr lang="da-DK" dirty="0"/>
           </a:p>
         </p:txBody>
@@ -707,7 +867,8 @@
           <a:p>
             <a:fld id="{0CCE51B0-E005-4684-BDF6-5A203FD67EE9}" type="slidenum">
               <a:rPr lang="da-DK" smtClean="0"/>
-              <a:t>4</a:t>
+              <a:pPr/>
+              <a:t>3</a:t>
             </a:fld>
             <a:endParaRPr lang="da-DK"/>
           </a:p>
@@ -769,7 +930,20 @@
           <a:p>
             <a:r>
               <a:rPr lang="da-DK" dirty="0" smtClean="0"/>
-              <a:t>Mads</a:t>
+              <a:t>Lasse</a:t>
+            </a:r>
+          </a:p>
+          <a:p>
+            <a:endParaRPr lang="da-DK" dirty="0" smtClean="0"/>
+          </a:p>
+          <a:p>
+            <a:r>
+              <a:rPr lang="da-DK" dirty="0" err="1" smtClean="0"/>
+              <a:t>Stepwise</a:t>
+            </a:r>
+            <a:r>
+              <a:rPr lang="da-DK" baseline="0" dirty="0" smtClean="0"/>
+              <a:t> for at opnå større forståelse, evt. forstå flaskehalse.</a:t>
             </a:r>
             <a:endParaRPr lang="da-DK" dirty="0"/>
           </a:p>
@@ -792,7 +966,8 @@
           <a:p>
             <a:fld id="{0CCE51B0-E005-4684-BDF6-5A203FD67EE9}" type="slidenum">
               <a:rPr lang="da-DK" smtClean="0"/>
-              <a:t>5</a:t>
+              <a:pPr/>
+              <a:t>4</a:t>
             </a:fld>
             <a:endParaRPr lang="da-DK"/>
           </a:p>
@@ -877,7 +1052,8 @@
           <a:p>
             <a:fld id="{0CCE51B0-E005-4684-BDF6-5A203FD67EE9}" type="slidenum">
               <a:rPr lang="da-DK" smtClean="0"/>
-              <a:t>6</a:t>
+              <a:pPr/>
+              <a:t>5</a:t>
             </a:fld>
             <a:endParaRPr lang="da-DK"/>
           </a:p>
@@ -941,6 +1117,16 @@
               <a:rPr lang="da-DK" dirty="0" smtClean="0"/>
               <a:t>Mads</a:t>
             </a:r>
+          </a:p>
+          <a:p>
+            <a:r>
+              <a:rPr lang="da-DK" dirty="0" smtClean="0"/>
+              <a:t>Mindre</a:t>
+            </a:r>
+            <a:r>
+              <a:rPr lang="da-DK" baseline="0" dirty="0" smtClean="0"/>
+              <a:t> her</a:t>
+            </a:r>
             <a:endParaRPr lang="da-DK" dirty="0"/>
           </a:p>
         </p:txBody>
@@ -962,7 +1148,8 @@
           <a:p>
             <a:fld id="{0CCE51B0-E005-4684-BDF6-5A203FD67EE9}" type="slidenum">
               <a:rPr lang="da-DK" smtClean="0"/>
-              <a:t>7</a:t>
+              <a:pPr/>
+              <a:t>6</a:t>
             </a:fld>
             <a:endParaRPr lang="da-DK"/>
           </a:p>
@@ -1047,7 +1234,8 @@
           <a:p>
             <a:fld id="{0CCE51B0-E005-4684-BDF6-5A203FD67EE9}" type="slidenum">
               <a:rPr lang="da-DK" smtClean="0"/>
-              <a:t>8</a:t>
+              <a:pPr/>
+              <a:t>7</a:t>
             </a:fld>
             <a:endParaRPr lang="da-DK"/>
           </a:p>
@@ -1109,7 +1297,7 @@
           <a:p>
             <a:r>
               <a:rPr lang="da-DK" dirty="0" smtClean="0"/>
-              <a:t>Lasse</a:t>
+              <a:t>Mads</a:t>
             </a:r>
             <a:endParaRPr lang="da-DK" dirty="0"/>
           </a:p>
@@ -1132,7 +1320,8 @@
           <a:p>
             <a:fld id="{0CCE51B0-E005-4684-BDF6-5A203FD67EE9}" type="slidenum">
               <a:rPr lang="da-DK" smtClean="0"/>
-              <a:t>9</a:t>
+              <a:pPr/>
+              <a:t>8</a:t>
             </a:fld>
             <a:endParaRPr lang="da-DK"/>
           </a:p>
@@ -1196,6 +1385,19 @@
               <a:rPr lang="da-DK" dirty="0" smtClean="0"/>
               <a:t>Lasse</a:t>
             </a:r>
+          </a:p>
+          <a:p>
+            <a:endParaRPr lang="da-DK" dirty="0" smtClean="0"/>
+          </a:p>
+          <a:p>
+            <a:r>
+              <a:rPr lang="da-DK" dirty="0" smtClean="0"/>
+              <a:t>Så hvad</a:t>
+            </a:r>
+            <a:r>
+              <a:rPr lang="da-DK" baseline="0" dirty="0" smtClean="0"/>
+              <a:t> kan det færdige MATLAB script?</a:t>
+            </a:r>
             <a:endParaRPr lang="da-DK" dirty="0"/>
           </a:p>
         </p:txBody>
@@ -1217,7 +1419,8 @@
           <a:p>
             <a:fld id="{0CCE51B0-E005-4684-BDF6-5A203FD67EE9}" type="slidenum">
               <a:rPr lang="da-DK" smtClean="0"/>
-              <a:t>10</a:t>
+              <a:pPr/>
+              <a:t>9</a:t>
             </a:fld>
             <a:endParaRPr lang="da-DK"/>
           </a:p>
@@ -1404,7 +1607,8 @@
           <a:p>
             <a:fld id="{2013C4FF-6606-4B44-B6C7-70A8122B2E78}" type="datetimeFigureOut">
               <a:rPr lang="da-DK" smtClean="0"/>
-              <a:t>27-05-2018</a:t>
+              <a:pPr/>
+              <a:t>31-05-2018</a:t>
             </a:fld>
             <a:endParaRPr lang="da-DK"/>
           </a:p>
@@ -1446,6 +1650,7 @@
           <a:p>
             <a:fld id="{4133321D-008B-4005-A2AB-DBB769F3FC53}" type="slidenum">
               <a:rPr lang="da-DK" smtClean="0"/>
+              <a:pPr/>
               <a:t>‹nr.›</a:t>
             </a:fld>
             <a:endParaRPr lang="da-DK"/>
@@ -1569,7 +1774,8 @@
           <a:p>
             <a:fld id="{2013C4FF-6606-4B44-B6C7-70A8122B2E78}" type="datetimeFigureOut">
               <a:rPr lang="da-DK" smtClean="0"/>
-              <a:t>27-05-2018</a:t>
+              <a:pPr/>
+              <a:t>31-05-2018</a:t>
             </a:fld>
             <a:endParaRPr lang="da-DK"/>
           </a:p>
@@ -1611,6 +1817,7 @@
           <a:p>
             <a:fld id="{4133321D-008B-4005-A2AB-DBB769F3FC53}" type="slidenum">
               <a:rPr lang="da-DK" smtClean="0"/>
+              <a:pPr/>
               <a:t>‹nr.›</a:t>
             </a:fld>
             <a:endParaRPr lang="da-DK"/>
@@ -1744,7 +1951,8 @@
           <a:p>
             <a:fld id="{2013C4FF-6606-4B44-B6C7-70A8122B2E78}" type="datetimeFigureOut">
               <a:rPr lang="da-DK" smtClean="0"/>
-              <a:t>27-05-2018</a:t>
+              <a:pPr/>
+              <a:t>31-05-2018</a:t>
             </a:fld>
             <a:endParaRPr lang="da-DK"/>
           </a:p>
@@ -1786,6 +1994,7 @@
           <a:p>
             <a:fld id="{4133321D-008B-4005-A2AB-DBB769F3FC53}" type="slidenum">
               <a:rPr lang="da-DK" smtClean="0"/>
+              <a:pPr/>
               <a:t>‹nr.›</a:t>
             </a:fld>
             <a:endParaRPr lang="da-DK"/>
@@ -1909,7 +2118,8 @@
           <a:p>
             <a:fld id="{2013C4FF-6606-4B44-B6C7-70A8122B2E78}" type="datetimeFigureOut">
               <a:rPr lang="da-DK" smtClean="0"/>
-              <a:t>27-05-2018</a:t>
+              <a:pPr/>
+              <a:t>31-05-2018</a:t>
             </a:fld>
             <a:endParaRPr lang="da-DK"/>
           </a:p>
@@ -1951,6 +2161,7 @@
           <a:p>
             <a:fld id="{4133321D-008B-4005-A2AB-DBB769F3FC53}" type="slidenum">
               <a:rPr lang="da-DK" smtClean="0"/>
+              <a:pPr/>
               <a:t>‹nr.›</a:t>
             </a:fld>
             <a:endParaRPr lang="da-DK"/>
@@ -2151,7 +2362,8 @@
           <a:p>
             <a:fld id="{2013C4FF-6606-4B44-B6C7-70A8122B2E78}" type="datetimeFigureOut">
               <a:rPr lang="da-DK" smtClean="0"/>
-              <a:t>27-05-2018</a:t>
+              <a:pPr/>
+              <a:t>31-05-2018</a:t>
             </a:fld>
             <a:endParaRPr lang="da-DK"/>
           </a:p>
@@ -2193,6 +2405,7 @@
           <a:p>
             <a:fld id="{4133321D-008B-4005-A2AB-DBB769F3FC53}" type="slidenum">
               <a:rPr lang="da-DK" smtClean="0"/>
+              <a:pPr/>
               <a:t>‹nr.›</a:t>
             </a:fld>
             <a:endParaRPr lang="da-DK"/>
@@ -2415,7 +2628,8 @@
           <a:p>
             <a:fld id="{2013C4FF-6606-4B44-B6C7-70A8122B2E78}" type="datetimeFigureOut">
               <a:rPr lang="da-DK" smtClean="0"/>
-              <a:t>27-05-2018</a:t>
+              <a:pPr/>
+              <a:t>31-05-2018</a:t>
             </a:fld>
             <a:endParaRPr lang="da-DK"/>
           </a:p>
@@ -2457,6 +2671,7 @@
           <a:p>
             <a:fld id="{4133321D-008B-4005-A2AB-DBB769F3FC53}" type="slidenum">
               <a:rPr lang="da-DK" smtClean="0"/>
+              <a:pPr/>
               <a:t>‹nr.›</a:t>
             </a:fld>
             <a:endParaRPr lang="da-DK"/>
@@ -2793,7 +3008,8 @@
           <a:p>
             <a:fld id="{2013C4FF-6606-4B44-B6C7-70A8122B2E78}" type="datetimeFigureOut">
               <a:rPr lang="da-DK" smtClean="0"/>
-              <a:t>27-05-2018</a:t>
+              <a:pPr/>
+              <a:t>31-05-2018</a:t>
             </a:fld>
             <a:endParaRPr lang="da-DK"/>
           </a:p>
@@ -2835,6 +3051,7 @@
           <a:p>
             <a:fld id="{4133321D-008B-4005-A2AB-DBB769F3FC53}" type="slidenum">
               <a:rPr lang="da-DK" smtClean="0"/>
+              <a:pPr/>
               <a:t>‹nr.›</a:t>
             </a:fld>
             <a:endParaRPr lang="da-DK"/>
@@ -2943,7 +3160,8 @@
           <a:p>
             <a:fld id="{2013C4FF-6606-4B44-B6C7-70A8122B2E78}" type="datetimeFigureOut">
               <a:rPr lang="da-DK" smtClean="0"/>
-              <a:t>27-05-2018</a:t>
+              <a:pPr/>
+              <a:t>31-05-2018</a:t>
             </a:fld>
             <a:endParaRPr lang="da-DK"/>
           </a:p>
@@ -2985,6 +3203,7 @@
           <a:p>
             <a:fld id="{4133321D-008B-4005-A2AB-DBB769F3FC53}" type="slidenum">
               <a:rPr lang="da-DK" smtClean="0"/>
+              <a:pPr/>
               <a:t>‹nr.›</a:t>
             </a:fld>
             <a:endParaRPr lang="da-DK"/>
@@ -3033,7 +3252,8 @@
           <a:p>
             <a:fld id="{2013C4FF-6606-4B44-B6C7-70A8122B2E78}" type="datetimeFigureOut">
               <a:rPr lang="da-DK" smtClean="0"/>
-              <a:t>27-05-2018</a:t>
+              <a:pPr/>
+              <a:t>31-05-2018</a:t>
             </a:fld>
             <a:endParaRPr lang="da-DK"/>
           </a:p>
@@ -3075,6 +3295,7 @@
           <a:p>
             <a:fld id="{4133321D-008B-4005-A2AB-DBB769F3FC53}" type="slidenum">
               <a:rPr lang="da-DK" smtClean="0"/>
+              <a:pPr/>
               <a:t>‹nr.›</a:t>
             </a:fld>
             <a:endParaRPr lang="da-DK"/>
@@ -3294,7 +3515,8 @@
           <a:p>
             <a:fld id="{2013C4FF-6606-4B44-B6C7-70A8122B2E78}" type="datetimeFigureOut">
               <a:rPr lang="da-DK" smtClean="0"/>
-              <a:t>27-05-2018</a:t>
+              <a:pPr/>
+              <a:t>31-05-2018</a:t>
             </a:fld>
             <a:endParaRPr lang="da-DK"/>
           </a:p>
@@ -3336,6 +3558,7 @@
           <a:p>
             <a:fld id="{4133321D-008B-4005-A2AB-DBB769F3FC53}" type="slidenum">
               <a:rPr lang="da-DK" smtClean="0"/>
+              <a:pPr/>
               <a:t>‹nr.›</a:t>
             </a:fld>
             <a:endParaRPr lang="da-DK"/>
@@ -3582,7 +3805,8 @@
           <a:p>
             <a:fld id="{2013C4FF-6606-4B44-B6C7-70A8122B2E78}" type="datetimeFigureOut">
               <a:rPr lang="da-DK" smtClean="0"/>
-              <a:t>27-05-2018</a:t>
+              <a:pPr/>
+              <a:t>31-05-2018</a:t>
             </a:fld>
             <a:endParaRPr lang="da-DK"/>
           </a:p>
@@ -3629,6 +3853,7 @@
           <a:p>
             <a:fld id="{4133321D-008B-4005-A2AB-DBB769F3FC53}" type="slidenum">
               <a:rPr lang="da-DK" smtClean="0"/>
+              <a:pPr/>
               <a:t>‹nr.›</a:t>
             </a:fld>
             <a:endParaRPr lang="da-DK"/>
@@ -4353,7 +4578,8 @@
           <a:p>
             <a:fld id="{2013C4FF-6606-4B44-B6C7-70A8122B2E78}" type="datetimeFigureOut">
               <a:rPr lang="da-DK" smtClean="0"/>
-              <a:t>27-05-2018</a:t>
+              <a:pPr/>
+              <a:t>31-05-2018</a:t>
             </a:fld>
             <a:endParaRPr lang="da-DK"/>
           </a:p>
@@ -4431,6 +4657,7 @@
           <a:p>
             <a:fld id="{4133321D-008B-4005-A2AB-DBB769F3FC53}" type="slidenum">
               <a:rPr lang="da-DK" smtClean="0"/>
+              <a:pPr/>
               <a:t>‹nr.›</a:t>
             </a:fld>
             <a:endParaRPr lang="da-DK"/>
@@ -5056,7 +5283,7 @@
           <p:nvPr/>
         </p:nvPicPr>
         <p:blipFill>
-          <a:blip r:embed="rId2" cstate="print"/>
+          <a:blip r:embed="rId3" cstate="print"/>
           <a:srcRect/>
           <a:stretch>
             <a:fillRect/>
@@ -5082,7 +5309,7 @@
           <p:nvPr/>
         </p:nvPicPr>
         <p:blipFill>
-          <a:blip r:embed="rId3" cstate="print"/>
+          <a:blip r:embed="rId4" cstate="print"/>
           <a:srcRect l="7875" t="18900" r="19676" b="18101"/>
           <a:stretch>
             <a:fillRect/>
@@ -5108,7 +5335,7 @@
           <p:nvPr/>
         </p:nvPicPr>
         <p:blipFill>
-          <a:blip r:embed="rId4" cstate="print"/>
+          <a:blip r:embed="rId5" cstate="print"/>
           <a:srcRect/>
           <a:stretch>
             <a:fillRect/>
@@ -5134,7 +5361,7 @@
           <p:nvPr/>
         </p:nvPicPr>
         <p:blipFill>
-          <a:blip r:embed="rId5" cstate="print"/>
+          <a:blip r:embed="rId6" cstate="print"/>
           <a:srcRect/>
           <a:stretch>
             <a:fillRect/>
@@ -5160,7 +5387,7 @@
           <p:nvPr/>
         </p:nvPicPr>
         <p:blipFill>
-          <a:blip r:embed="rId6" cstate="print"/>
+          <a:blip r:embed="rId7" cstate="print"/>
           <a:srcRect/>
           <a:stretch>
             <a:fillRect/>
@@ -5266,6 +5493,21 @@
             <a:endParaRPr lang="da-DK" dirty="0" smtClean="0"/>
           </a:p>
           <a:p>
+            <a:pPr lvl="1"/>
+            <a:r>
+              <a:rPr lang="da-DK" dirty="0" smtClean="0"/>
+              <a:t>Sine Generation</a:t>
+            </a:r>
+          </a:p>
+          <a:p>
+            <a:pPr lvl="1"/>
+            <a:r>
+              <a:rPr lang="da-DK" dirty="0" err="1" smtClean="0"/>
+              <a:t>Resampling</a:t>
+            </a:r>
+            <a:endParaRPr lang="da-DK" dirty="0" smtClean="0"/>
+          </a:p>
+          <a:p>
             <a:pPr lvl="1">
               <a:buNone/>
             </a:pPr>
@@ -5285,7 +5527,7 @@
           <p:nvPr/>
         </p:nvGraphicFramePr>
         <p:xfrm>
-          <a:off x="1907704" y="3429000"/>
+          <a:off x="1907704" y="3933056"/>
           <a:ext cx="5472608" cy="2016223"/>
         </p:xfrm>
         <a:graphic>
@@ -5666,11 +5908,7 @@
             </a:r>
             <a:r>
               <a:rPr lang="da-DK" dirty="0" err="1" smtClean="0"/>
-              <a:t>C</a:t>
-            </a:r>
-            <a:r>
-              <a:rPr lang="da-DK" dirty="0" err="1" smtClean="0"/>
-              <a:t>hanging</a:t>
+              <a:t>Changing</a:t>
             </a:r>
             <a:r>
               <a:rPr lang="da-DK" dirty="0" smtClean="0"/>
@@ -5694,17 +5932,12 @@
             </a:r>
             <a:r>
               <a:rPr lang="da-DK" dirty="0" err="1" smtClean="0"/>
-              <a:t>G</a:t>
-            </a:r>
-            <a:r>
-              <a:rPr lang="da-DK" dirty="0" err="1" smtClean="0"/>
-              <a:t>enerate</a:t>
+              <a:t>Generate</a:t>
             </a:r>
             <a:r>
               <a:rPr lang="da-DK" dirty="0" smtClean="0"/>
               <a:t> new sine</a:t>
             </a:r>
-            <a:endParaRPr lang="da-DK" dirty="0" smtClean="0"/>
           </a:p>
           <a:p>
             <a:pPr lvl="1"/>
@@ -5718,7 +5951,6 @@
               <a:rPr lang="da-DK" dirty="0" smtClean="0"/>
               <a:t>Single tone</a:t>
             </a:r>
-            <a:endParaRPr lang="da-DK" dirty="0" smtClean="0"/>
           </a:p>
         </p:txBody>
       </p:sp>
@@ -6198,8 +6430,16 @@
           <a:lstStyle/>
           <a:p>
             <a:r>
+              <a:rPr lang="da-DK" dirty="0" err="1" smtClean="0"/>
+              <a:t>Accuracy-</a:t>
+            </a:r>
+            <a:r>
               <a:rPr lang="da-DK" dirty="0" smtClean="0"/>
-              <a:t>Resolution - ±2.5 Hz</a:t>
+              <a:t> </a:t>
+            </a:r>
+            <a:r>
+              <a:rPr lang="da-DK" dirty="0" smtClean="0"/>
+              <a:t>±2.5 Hz</a:t>
             </a:r>
           </a:p>
           <a:p>
@@ -7003,11 +7243,7 @@
             </a:r>
             <a:r>
               <a:rPr lang="da-DK" dirty="0" smtClean="0"/>
-              <a:t> </a:t>
-            </a:r>
-            <a:r>
-              <a:rPr lang="da-DK" dirty="0" smtClean="0"/>
-              <a:t>2</a:t>
+              <a:t> 2</a:t>
             </a:r>
             <a:endParaRPr lang="da-DK" dirty="0"/>
           </a:p>
@@ -7034,15 +7270,7 @@
             </a:r>
             <a:r>
               <a:rPr lang="da-DK" dirty="0" smtClean="0"/>
-              <a:t> </a:t>
-            </a:r>
-            <a:r>
-              <a:rPr lang="da-DK" dirty="0" smtClean="0"/>
-              <a:t>2 </a:t>
-            </a:r>
-            <a:r>
-              <a:rPr lang="da-DK" dirty="0" smtClean="0"/>
-              <a:t>handling of the </a:t>
+              <a:t> 2 handling of the </a:t>
             </a:r>
             <a:r>
               <a:rPr lang="da-DK" dirty="0" err="1" smtClean="0"/>
@@ -7070,12 +7298,17 @@
             </a:r>
             <a:r>
               <a:rPr lang="da-DK" dirty="0" err="1" smtClean="0"/>
-              <a:t>Hilbert</a:t>
+              <a:t>Instantaneous</a:t>
             </a:r>
             <a:r>
               <a:rPr lang="da-DK" dirty="0" smtClean="0"/>
-              <a:t> transformation</a:t>
-            </a:r>
+              <a:t> </a:t>
+            </a:r>
+            <a:r>
+              <a:rPr lang="da-DK" dirty="0" err="1" smtClean="0"/>
+              <a:t>Frequency</a:t>
+            </a:r>
+            <a:endParaRPr lang="da-DK" dirty="0" smtClean="0"/>
           </a:p>
           <a:p>
             <a:pPr lvl="1"/>
@@ -7961,7 +8194,6 @@
               <a:rPr lang="da-DK" dirty="0" smtClean="0"/>
               <a:t>Output C-major</a:t>
             </a:r>
-            <a:endParaRPr lang="da-DK" dirty="0" smtClean="0"/>
           </a:p>
         </p:txBody>
       </p:sp>
